--- a/音頻情緒分類/Spotify Music Features.pptx
+++ b/音頻情緒分類/Spotify Music Features.pptx
@@ -245,7 +245,7 @@
           <a:p>
             <a:fld id="{204C3C0D-014A-4B95-8BF1-C548F9949153}" type="datetimeFigureOut">
               <a:rPr lang="zh-TW" altLang="en-US" smtClean="0"/>
-              <a:t>2019/5/2</a:t>
+              <a:t>2019/5/3</a:t>
             </a:fld>
             <a:endParaRPr lang="zh-TW" altLang="en-US"/>
           </a:p>
@@ -4730,7 +4730,7 @@
             </a:r>
             <a:r>
               <a:rPr lang="en-US" altLang="zh-TW" dirty="0"/>
-              <a:t>songlist_combine3.csv (</a:t>
+              <a:t>songlist_combine4.csv (</a:t>
             </a:r>
             <a:r>
               <a:rPr lang="zh-TW" altLang="en-US" dirty="0"/>
@@ -4738,7 +4738,7 @@
             </a:r>
             <a:r>
               <a:rPr lang="en-US" altLang="zh-TW" dirty="0"/>
-              <a:t>1901</a:t>
+              <a:t>2000-62</a:t>
             </a:r>
             <a:r>
               <a:rPr lang="zh-TW" altLang="en-US" dirty="0"/>
@@ -4761,32 +4761,6 @@
           </a:p>
           <a:p>
             <a:endParaRPr lang="en-US" altLang="zh-TW" dirty="0"/>
-          </a:p>
-          <a:p>
-            <a:r>
-              <a:rPr lang="zh-TW" altLang="en-US" dirty="0"/>
-              <a:t>文字情緒：先跑</a:t>
-            </a:r>
-            <a:r>
-              <a:rPr lang="en-US" altLang="zh-TW" dirty="0"/>
-              <a:t>1071</a:t>
-            </a:r>
-            <a:r>
-              <a:rPr lang="zh-TW" altLang="en-US" dirty="0"/>
-              <a:t>之前的 </a:t>
-            </a:r>
-            <a:r>
-              <a:rPr lang="en-US" altLang="zh-TW" dirty="0"/>
-              <a:t>(</a:t>
-            </a:r>
-            <a:r>
-              <a:rPr lang="zh-TW" altLang="en-US" dirty="0"/>
-              <a:t>後面順序亂了</a:t>
-            </a:r>
-            <a:r>
-              <a:rPr lang="en-US" altLang="zh-TW" dirty="0"/>
-              <a:t>)</a:t>
-            </a:r>
           </a:p>
           <a:p>
             <a:r>
@@ -21917,7 +21891,7 @@
           <a:p>
             <a:r>
               <a:rPr lang="en-US" altLang="zh-TW" dirty="0"/>
-              <a:t>lyrics0426(1-1071)_d.csv</a:t>
+              <a:t>lyrics0503(1-2000)_d.csv</a:t>
             </a:r>
             <a:endParaRPr lang="zh-TW" altLang="en-US" dirty="0"/>
           </a:p>
@@ -22025,10 +21999,10 @@
       </p:sp>
       <p:pic>
         <p:nvPicPr>
-          <p:cNvPr id="7" name="圖片 6">
-            <a:extLst>
-              <a:ext uri="{FF2B5EF4-FFF2-40B4-BE49-F238E27FC236}">
-                <a16:creationId xmlns:a16="http://schemas.microsoft.com/office/drawing/2014/main" id="{121C7980-F0D3-4A55-A57F-EBB9188F811D}"/>
+          <p:cNvPr id="8" name="圖片 7">
+            <a:extLst>
+              <a:ext uri="{FF2B5EF4-FFF2-40B4-BE49-F238E27FC236}">
+                <a16:creationId xmlns:a16="http://schemas.microsoft.com/office/drawing/2014/main" id="{ED3C22D4-F96F-4494-B848-B249DD894C38}"/>
               </a:ext>
             </a:extLst>
           </p:cNvPr>
@@ -22045,8 +22019,8 @@
         </p:blipFill>
         <p:spPr>
           <a:xfrm>
-            <a:off x="1410125" y="1835353"/>
-            <a:ext cx="10166832" cy="1147028"/>
+            <a:off x="1504551" y="1786253"/>
+            <a:ext cx="9995013" cy="895818"/>
           </a:xfrm>
           <a:prstGeom prst="rect">
             <a:avLst/>
@@ -22055,10 +22029,10 @@
       </p:pic>
       <p:pic>
         <p:nvPicPr>
-          <p:cNvPr id="11" name="圖片 10">
-            <a:extLst>
-              <a:ext uri="{FF2B5EF4-FFF2-40B4-BE49-F238E27FC236}">
-                <a16:creationId xmlns:a16="http://schemas.microsoft.com/office/drawing/2014/main" id="{D9199F44-F6A4-47C7-A418-9E527BD72BDD}"/>
+          <p:cNvPr id="12" name="圖片 11">
+            <a:extLst>
+              <a:ext uri="{FF2B5EF4-FFF2-40B4-BE49-F238E27FC236}">
+                <a16:creationId xmlns:a16="http://schemas.microsoft.com/office/drawing/2014/main" id="{630D7142-A974-47F0-874C-485F338D1CFF}"/>
               </a:ext>
             </a:extLst>
           </p:cNvPr>
@@ -22067,16 +22041,15 @@
           </p:cNvPicPr>
           <p:nvPr/>
         </p:nvPicPr>
-        <p:blipFill>
+        <p:blipFill rotWithShape="1">
           <a:blip r:embed="rId5"/>
-          <a:stretch>
-            <a:fillRect/>
-          </a:stretch>
+          <a:srcRect b="51998"/>
+          <a:stretch/>
         </p:blipFill>
         <p:spPr>
           <a:xfrm>
-            <a:off x="1410124" y="3796365"/>
-            <a:ext cx="10166831" cy="1710308"/>
+            <a:off x="1504551" y="3873195"/>
+            <a:ext cx="9995017" cy="1133803"/>
           </a:xfrm>
           <a:prstGeom prst="rect">
             <a:avLst/>
@@ -22085,10 +22058,10 @@
       </p:pic>
       <p:pic>
         <p:nvPicPr>
-          <p:cNvPr id="9" name="圖片 8">
-            <a:extLst>
-              <a:ext uri="{FF2B5EF4-FFF2-40B4-BE49-F238E27FC236}">
-                <a16:creationId xmlns:a16="http://schemas.microsoft.com/office/drawing/2014/main" id="{D61EC489-8B3A-43D7-A705-7D4D4C186164}"/>
+          <p:cNvPr id="10" name="圖片 9">
+            <a:extLst>
+              <a:ext uri="{FF2B5EF4-FFF2-40B4-BE49-F238E27FC236}">
+                <a16:creationId xmlns:a16="http://schemas.microsoft.com/office/drawing/2014/main" id="{8CE4CE1E-FA48-404B-AD52-60924134B73E}"/>
               </a:ext>
             </a:extLst>
           </p:cNvPr>
@@ -22098,14 +22071,14 @@
           <p:nvPr/>
         </p:nvPicPr>
         <p:blipFill rotWithShape="1">
-          <a:blip r:embed="rId6"/>
-          <a:srcRect t="89611"/>
+          <a:blip r:embed="rId5"/>
+          <a:srcRect t="88292"/>
           <a:stretch/>
         </p:blipFill>
         <p:spPr>
           <a:xfrm>
-            <a:off x="1410124" y="5502888"/>
-            <a:ext cx="10166831" cy="336876"/>
+            <a:off x="1504552" y="5006998"/>
+            <a:ext cx="9995012" cy="276532"/>
           </a:xfrm>
           <a:prstGeom prst="rect">
             <a:avLst/>
